--- a/272 - In Memory of the Saviour's Love.pptx
+++ b/272 - In Memory of the Saviour's Love.pptx
@@ -243,7 +243,7 @@
           <a:p>
             <a:fld id="{32F7251A-AE54-443C-B8FE-5F636E835EBF}" type="datetimeFigureOut">
               <a:rPr lang="en-US" smtClean="0"/>
-              <a:t>1/6/2019</a:t>
+              <a:t>8/16/2020</a:t>
             </a:fld>
             <a:endParaRPr lang="en-US"/>
           </a:p>
@@ -411,7 +411,7 @@
           <a:p>
             <a:fld id="{32F7251A-AE54-443C-B8FE-5F636E835EBF}" type="datetimeFigureOut">
               <a:rPr lang="en-US" smtClean="0"/>
-              <a:t>1/6/2019</a:t>
+              <a:t>8/16/2020</a:t>
             </a:fld>
             <a:endParaRPr lang="en-US"/>
           </a:p>
@@ -589,7 +589,7 @@
           <a:p>
             <a:fld id="{32F7251A-AE54-443C-B8FE-5F636E835EBF}" type="datetimeFigureOut">
               <a:rPr lang="en-US" smtClean="0"/>
-              <a:t>1/6/2019</a:t>
+              <a:t>8/16/2020</a:t>
             </a:fld>
             <a:endParaRPr lang="en-US"/>
           </a:p>
@@ -757,7 +757,7 @@
           <a:p>
             <a:fld id="{32F7251A-AE54-443C-B8FE-5F636E835EBF}" type="datetimeFigureOut">
               <a:rPr lang="en-US" smtClean="0"/>
-              <a:t>1/6/2019</a:t>
+              <a:t>8/16/2020</a:t>
             </a:fld>
             <a:endParaRPr lang="en-US"/>
           </a:p>
@@ -1002,7 +1002,7 @@
           <a:p>
             <a:fld id="{32F7251A-AE54-443C-B8FE-5F636E835EBF}" type="datetimeFigureOut">
               <a:rPr lang="en-US" smtClean="0"/>
-              <a:t>1/6/2019</a:t>
+              <a:t>8/16/2020</a:t>
             </a:fld>
             <a:endParaRPr lang="en-US"/>
           </a:p>
@@ -1231,7 +1231,7 @@
           <a:p>
             <a:fld id="{32F7251A-AE54-443C-B8FE-5F636E835EBF}" type="datetimeFigureOut">
               <a:rPr lang="en-US" smtClean="0"/>
-              <a:t>1/6/2019</a:t>
+              <a:t>8/16/2020</a:t>
             </a:fld>
             <a:endParaRPr lang="en-US"/>
           </a:p>
@@ -1595,7 +1595,7 @@
           <a:p>
             <a:fld id="{32F7251A-AE54-443C-B8FE-5F636E835EBF}" type="datetimeFigureOut">
               <a:rPr lang="en-US" smtClean="0"/>
-              <a:t>1/6/2019</a:t>
+              <a:t>8/16/2020</a:t>
             </a:fld>
             <a:endParaRPr lang="en-US"/>
           </a:p>
@@ -1712,7 +1712,7 @@
           <a:p>
             <a:fld id="{32F7251A-AE54-443C-B8FE-5F636E835EBF}" type="datetimeFigureOut">
               <a:rPr lang="en-US" smtClean="0"/>
-              <a:t>1/6/2019</a:t>
+              <a:t>8/16/2020</a:t>
             </a:fld>
             <a:endParaRPr lang="en-US"/>
           </a:p>
@@ -1807,7 +1807,7 @@
           <a:p>
             <a:fld id="{32F7251A-AE54-443C-B8FE-5F636E835EBF}" type="datetimeFigureOut">
               <a:rPr lang="en-US" smtClean="0"/>
-              <a:t>1/6/2019</a:t>
+              <a:t>8/16/2020</a:t>
             </a:fld>
             <a:endParaRPr lang="en-US"/>
           </a:p>
@@ -2082,7 +2082,7 @@
           <a:p>
             <a:fld id="{32F7251A-AE54-443C-B8FE-5F636E835EBF}" type="datetimeFigureOut">
               <a:rPr lang="en-US" smtClean="0"/>
-              <a:t>1/6/2019</a:t>
+              <a:t>8/16/2020</a:t>
             </a:fld>
             <a:endParaRPr lang="en-US"/>
           </a:p>
@@ -2334,7 +2334,7 @@
           <a:p>
             <a:fld id="{32F7251A-AE54-443C-B8FE-5F636E835EBF}" type="datetimeFigureOut">
               <a:rPr lang="en-US" smtClean="0"/>
-              <a:t>1/6/2019</a:t>
+              <a:t>8/16/2020</a:t>
             </a:fld>
             <a:endParaRPr lang="en-US"/>
           </a:p>
@@ -2401,7 +2401,9 @@
     <p:bg>
       <p:bgPr>
         <a:solidFill>
-          <a:srgbClr val="333333"/>
+          <a:schemeClr val="bg1">
+            <a:lumMod val="10000"/>
+          </a:schemeClr>
         </a:solidFill>
         <a:effectLst/>
       </p:bgPr>
@@ -2548,7 +2550,7 @@
           <a:p>
             <a:fld id="{32F7251A-AE54-443C-B8FE-5F636E835EBF}" type="datetimeFigureOut">
               <a:rPr lang="en-US" smtClean="0"/>
-              <a:t>1/6/2019</a:t>
+              <a:t>8/16/2020</a:t>
             </a:fld>
             <a:endParaRPr lang="en-US"/>
           </a:p>
@@ -3018,8 +3020,8 @@
         </p:nvSpPr>
         <p:spPr>
           <a:xfrm>
-            <a:off x="0" y="5804209"/>
-            <a:ext cx="12192000" cy="830997"/>
+            <a:off x="0" y="5927320"/>
+            <a:ext cx="12192000" cy="584775"/>
           </a:xfrm>
           <a:prstGeom prst="rect">
             <a:avLst/>
@@ -3034,10 +3036,12 @@
           <a:p>
             <a:pPr algn="ctr"/>
             <a:r>
-              <a:rPr lang="en-US" sz="4800" dirty="0">
+              <a:rPr lang="en-US" sz="3200" u="sng" dirty="0">
                 <a:solidFill>
                   <a:schemeClr val="bg1"/>
                 </a:solidFill>
+                <a:latin typeface="Assistant SemiBold" panose="00000700000000000000" pitchFamily="2" charset="-79"/>
+                <a:cs typeface="Assistant SemiBold" panose="00000700000000000000" pitchFamily="2" charset="-79"/>
               </a:rPr>
               <a:t>“In Memory of the Savior’s Love”</a:t>
             </a:r>
@@ -3053,7 +3057,7 @@
         <p:spPr>
           <a:xfrm>
             <a:off x="0" y="1732951"/>
-            <a:ext cx="12192000" cy="2308324"/>
+            <a:ext cx="12192000" cy="1815882"/>
           </a:xfrm>
           <a:prstGeom prst="rect">
             <a:avLst/>
@@ -3068,56 +3072,51 @@
           <a:p>
             <a:pPr algn="ctr"/>
             <a:r>
-              <a:rPr lang="en-US" sz="3600" dirty="0">
+              <a:rPr lang="en-US" sz="2800" spc="50" dirty="0">
                 <a:solidFill>
                   <a:schemeClr val="bg1"/>
                 </a:solidFill>
+                <a:latin typeface="Assistant" panose="00000500000000000000" pitchFamily="2" charset="-79"/>
+                <a:cs typeface="Assistant" panose="00000500000000000000" pitchFamily="2" charset="-79"/>
               </a:rPr>
-              <a:t>In memory of the </a:t>
-            </a:r>
-            <a:r>
-              <a:rPr lang="en-US" sz="3600">
+              <a:t>In memory of the Savior’s love,</a:t>
+            </a:r>
+          </a:p>
+          <a:p>
+            <a:pPr algn="ctr"/>
+            <a:r>
+              <a:rPr lang="en-US" sz="2800" spc="50" dirty="0">
                 <a:solidFill>
                   <a:schemeClr val="bg1"/>
                 </a:solidFill>
+                <a:latin typeface="Assistant" panose="00000500000000000000" pitchFamily="2" charset="-79"/>
+                <a:cs typeface="Assistant" panose="00000500000000000000" pitchFamily="2" charset="-79"/>
               </a:rPr>
-              <a:t>Savior’s love,</a:t>
-            </a:r>
-            <a:endParaRPr lang="en-US" sz="3600" dirty="0">
-              <a:solidFill>
-                <a:schemeClr val="bg1"/>
-              </a:solidFill>
-            </a:endParaRPr>
+              <a:t>We keep the sacred feast,</a:t>
+            </a:r>
           </a:p>
           <a:p>
             <a:pPr algn="ctr"/>
             <a:r>
-              <a:rPr lang="en-US" sz="3600" dirty="0">
+              <a:rPr lang="en-US" sz="2800" spc="50" dirty="0">
                 <a:solidFill>
                   <a:schemeClr val="bg1"/>
                 </a:solidFill>
+                <a:latin typeface="Assistant" panose="00000500000000000000" pitchFamily="2" charset="-79"/>
+                <a:cs typeface="Assistant" panose="00000500000000000000" pitchFamily="2" charset="-79"/>
               </a:rPr>
-              <a:t>We keep the sacred feast,</a:t>
+              <a:t>Where each who bears the Savior’ name</a:t>
             </a:r>
           </a:p>
           <a:p>
             <a:pPr algn="ctr"/>
             <a:r>
-              <a:rPr lang="en-US" sz="3600" dirty="0">
+              <a:rPr lang="en-US" sz="2800" spc="50" dirty="0">
                 <a:solidFill>
                   <a:schemeClr val="bg1"/>
                 </a:solidFill>
-              </a:rPr>
-              <a:t>Where each who bears the Savior’ name</a:t>
-            </a:r>
-          </a:p>
-          <a:p>
-            <a:pPr algn="ctr"/>
-            <a:r>
-              <a:rPr lang="en-US" sz="3600" dirty="0">
-                <a:solidFill>
-                  <a:schemeClr val="bg1"/>
-                </a:solidFill>
+                <a:latin typeface="Assistant" panose="00000500000000000000" pitchFamily="2" charset="-79"/>
+                <a:cs typeface="Assistant" panose="00000500000000000000" pitchFamily="2" charset="-79"/>
               </a:rPr>
               <a:t>Is made a welcome guest.</a:t>
             </a:r>
@@ -3219,8 +3218,8 @@
         </p:nvSpPr>
         <p:spPr>
           <a:xfrm>
-            <a:off x="0" y="5804209"/>
-            <a:ext cx="12192000" cy="830997"/>
+            <a:off x="0" y="5927320"/>
+            <a:ext cx="12192000" cy="584775"/>
           </a:xfrm>
           <a:prstGeom prst="rect">
             <a:avLst/>
@@ -3235,10 +3234,12 @@
           <a:p>
             <a:pPr algn="ctr"/>
             <a:r>
-              <a:rPr lang="en-US" sz="4800" dirty="0">
+              <a:rPr lang="en-US" sz="3200" u="sng" dirty="0">
                 <a:solidFill>
                   <a:schemeClr val="bg1"/>
                 </a:solidFill>
+                <a:latin typeface="Assistant SemiBold" panose="00000700000000000000" pitchFamily="2" charset="-79"/>
+                <a:cs typeface="Assistant SemiBold" panose="00000700000000000000" pitchFamily="2" charset="-79"/>
               </a:rPr>
               <a:t>“In Memory of the Savior’s Love”</a:t>
             </a:r>
@@ -3254,7 +3255,7 @@
         <p:spPr>
           <a:xfrm>
             <a:off x="0" y="1801705"/>
-            <a:ext cx="12192000" cy="2308324"/>
+            <a:ext cx="12192000" cy="1815882"/>
           </a:xfrm>
           <a:prstGeom prst="rect">
             <a:avLst/>
@@ -3269,10 +3270,12 @@
           <a:p>
             <a:pPr algn="ctr"/>
             <a:r>
-              <a:rPr lang="en-US" sz="3600" dirty="0">
+              <a:rPr lang="en-US" sz="2800" spc="50" dirty="0">
                 <a:solidFill>
                   <a:schemeClr val="bg1"/>
                 </a:solidFill>
+                <a:latin typeface="Assistant" panose="00000500000000000000" pitchFamily="2" charset="-79"/>
+                <a:cs typeface="Assistant" panose="00000500000000000000" pitchFamily="2" charset="-79"/>
               </a:rPr>
               <a:t>By faith we take the bread of life</a:t>
             </a:r>
@@ -3280,10 +3283,12 @@
           <a:p>
             <a:pPr algn="ctr"/>
             <a:r>
-              <a:rPr lang="en-US" sz="3600" dirty="0">
+              <a:rPr lang="en-US" sz="2800" spc="50" dirty="0">
                 <a:solidFill>
                   <a:schemeClr val="bg1"/>
                 </a:solidFill>
+                <a:latin typeface="Assistant" panose="00000500000000000000" pitchFamily="2" charset="-79"/>
+                <a:cs typeface="Assistant" panose="00000500000000000000" pitchFamily="2" charset="-79"/>
               </a:rPr>
               <a:t>With which our souls are fed,</a:t>
             </a:r>
@@ -3291,10 +3296,12 @@
           <a:p>
             <a:pPr algn="ctr"/>
             <a:r>
-              <a:rPr lang="en-US" sz="3600" dirty="0">
+              <a:rPr lang="en-US" sz="2800" spc="50" dirty="0">
                 <a:solidFill>
                   <a:schemeClr val="bg1"/>
                 </a:solidFill>
+                <a:latin typeface="Assistant" panose="00000500000000000000" pitchFamily="2" charset="-79"/>
+                <a:cs typeface="Assistant" panose="00000500000000000000" pitchFamily="2" charset="-79"/>
               </a:rPr>
               <a:t>The cup in token of His blood</a:t>
             </a:r>
@@ -3302,10 +3309,12 @@
           <a:p>
             <a:pPr algn="ctr"/>
             <a:r>
-              <a:rPr lang="en-US" sz="3600" dirty="0">
+              <a:rPr lang="en-US" sz="2800" spc="50" dirty="0">
                 <a:solidFill>
                   <a:schemeClr val="bg1"/>
                 </a:solidFill>
+                <a:latin typeface="Assistant" panose="00000500000000000000" pitchFamily="2" charset="-79"/>
+                <a:cs typeface="Assistant" panose="00000500000000000000" pitchFamily="2" charset="-79"/>
               </a:rPr>
               <a:t>That was for sinners shed.</a:t>
             </a:r>
@@ -3407,8 +3416,8 @@
         </p:nvSpPr>
         <p:spPr>
           <a:xfrm>
-            <a:off x="0" y="5804209"/>
-            <a:ext cx="12192000" cy="830997"/>
+            <a:off x="0" y="5927320"/>
+            <a:ext cx="12192000" cy="584775"/>
           </a:xfrm>
           <a:prstGeom prst="rect">
             <a:avLst/>
@@ -3423,10 +3432,12 @@
           <a:p>
             <a:pPr algn="ctr"/>
             <a:r>
-              <a:rPr lang="en-US" sz="4800" dirty="0">
+              <a:rPr lang="en-US" sz="3200" u="sng" dirty="0">
                 <a:solidFill>
                   <a:schemeClr val="bg1"/>
                 </a:solidFill>
+                <a:latin typeface="Assistant SemiBold" panose="00000700000000000000" pitchFamily="2" charset="-79"/>
+                <a:cs typeface="Assistant SemiBold" panose="00000700000000000000" pitchFamily="2" charset="-79"/>
               </a:rPr>
               <a:t>“In Memory of the Savior’s Love”</a:t>
             </a:r>
@@ -3442,7 +3453,7 @@
         <p:spPr>
           <a:xfrm>
             <a:off x="0" y="1801705"/>
-            <a:ext cx="12192000" cy="2308324"/>
+            <a:ext cx="12192000" cy="1815882"/>
           </a:xfrm>
           <a:prstGeom prst="rect">
             <a:avLst/>
@@ -3457,10 +3468,12 @@
           <a:p>
             <a:pPr algn="ctr"/>
             <a:r>
-              <a:rPr lang="en-US" sz="3600" dirty="0">
+              <a:rPr lang="en-US" sz="2800" spc="50" dirty="0">
                 <a:solidFill>
                   <a:schemeClr val="bg1"/>
                 </a:solidFill>
+                <a:latin typeface="Assistant" panose="00000500000000000000" pitchFamily="2" charset="-79"/>
+                <a:cs typeface="Assistant" panose="00000500000000000000" pitchFamily="2" charset="-79"/>
               </a:rPr>
               <a:t>Under His banner thus we sing</a:t>
             </a:r>
@@ -3468,10 +3481,12 @@
           <a:p>
             <a:pPr algn="ctr"/>
             <a:r>
-              <a:rPr lang="en-US" sz="3600" dirty="0">
+              <a:rPr lang="en-US" sz="2800" spc="50" dirty="0">
                 <a:solidFill>
                   <a:schemeClr val="bg1"/>
                 </a:solidFill>
+                <a:latin typeface="Assistant" panose="00000500000000000000" pitchFamily="2" charset="-79"/>
+                <a:cs typeface="Assistant" panose="00000500000000000000" pitchFamily="2" charset="-79"/>
               </a:rPr>
               <a:t>The wonders of His love,</a:t>
             </a:r>
@@ -3479,10 +3494,12 @@
           <a:p>
             <a:pPr algn="ctr"/>
             <a:r>
-              <a:rPr lang="en-US" sz="3600" dirty="0">
+              <a:rPr lang="en-US" sz="2800" spc="50" dirty="0">
                 <a:solidFill>
                   <a:schemeClr val="bg1"/>
                 </a:solidFill>
+                <a:latin typeface="Assistant" panose="00000500000000000000" pitchFamily="2" charset="-79"/>
+                <a:cs typeface="Assistant" panose="00000500000000000000" pitchFamily="2" charset="-79"/>
               </a:rPr>
               <a:t>And thus anticipate by faith</a:t>
             </a:r>
@@ -3490,10 +3507,12 @@
           <a:p>
             <a:pPr algn="ctr"/>
             <a:r>
-              <a:rPr lang="en-US" sz="3600" dirty="0">
+              <a:rPr lang="en-US" sz="2800" spc="50" dirty="0">
                 <a:solidFill>
                   <a:schemeClr val="bg1"/>
                 </a:solidFill>
+                <a:latin typeface="Assistant" panose="00000500000000000000" pitchFamily="2" charset="-79"/>
+                <a:cs typeface="Assistant" panose="00000500000000000000" pitchFamily="2" charset="-79"/>
               </a:rPr>
               <a:t>The heavenly feast above.</a:t>
             </a:r>
